--- a/img/broad1.pptx
+++ b/img/broad1.pptx
@@ -151,7 +151,7 @@
       </p14:sectionLst>
     </p:ext>
     <p:ext uri="{EFAFB233-063F-42B5-8137-9DF3F51BA10A}">
-      <p15:sldGuideLst xmlns="" xmlns:p15="http://schemas.microsoft.com/office/powerpoint/2012/main">
+      <p15:sldGuideLst xmlns:p15="http://schemas.microsoft.com/office/powerpoint/2012/main" xmlns="">
         <p15:guide id="1" orient="horz" pos="2160">
           <p15:clr>
             <a:srgbClr val="A4A3A4"/>
@@ -165,7 +165,7 @@
       </p15:sldGuideLst>
     </p:ext>
     <p:ext uri="{2D200454-40CA-4A62-9FC3-DE9A4176ACB9}">
-      <p15:notesGuideLst xmlns="" xmlns:p15="http://schemas.microsoft.com/office/powerpoint/2012/main">
+      <p15:notesGuideLst xmlns:p15="http://schemas.microsoft.com/office/powerpoint/2012/main" xmlns="">
         <p15:guide id="1" orient="horz" pos="3223">
           <p15:clr>
             <a:srgbClr val="A4A3A4"/>
@@ -2069,8 +2069,8 @@
           </a:fontRef>
         </p:style>
       </p:cxnSp>
-      <mc:AlternateContent xmlns:mc="http://schemas.openxmlformats.org/markup-compatibility/2006">
-        <mc:Choice xmlns:a14="http://schemas.microsoft.com/office/drawing/2010/main" Requires="a14">
+      <mc:AlternateContent xmlns:mc="http://schemas.openxmlformats.org/markup-compatibility/2006" xmlns:a14="http://schemas.microsoft.com/office/drawing/2010/main">
+        <mc:Choice Requires="a14">
           <p:sp>
             <p:nvSpPr>
               <p:cNvPr id="15" name="正方形/長方形 14"/>
@@ -2144,7 +2144,7 @@
             </p:txBody>
           </p:sp>
         </mc:Choice>
-        <mc:Fallback>
+        <mc:Fallback xmlns="">
           <p:sp>
             <p:nvSpPr>
               <p:cNvPr id="15" name="正方形/長方形 14"/>
@@ -2308,8 +2308,8 @@
           </a:fontRef>
         </p:style>
       </p:cxnSp>
-      <mc:AlternateContent xmlns:mc="http://schemas.openxmlformats.org/markup-compatibility/2006">
-        <mc:Choice xmlns:a14="http://schemas.microsoft.com/office/drawing/2010/main" Requires="a14">
+      <mc:AlternateContent xmlns:mc="http://schemas.openxmlformats.org/markup-compatibility/2006" xmlns:a14="http://schemas.microsoft.com/office/drawing/2010/main">
+        <mc:Choice Requires="a14">
           <p:sp>
             <p:nvSpPr>
               <p:cNvPr id="129" name="テキスト ボックス 128"/>
@@ -2336,7 +2336,6 @@
               </a:bodyPr>
               <a:lstStyle/>
               <a:p>
-                <a:pPr/>
                 <a14:m>
                   <m:oMath xmlns:m="http://schemas.openxmlformats.org/officeDocument/2006/math">
                     <m:sSub>
@@ -2389,7 +2388,7 @@
             </p:txBody>
           </p:sp>
         </mc:Choice>
-        <mc:Fallback>
+        <mc:Fallback xmlns="">
           <p:sp>
             <p:nvSpPr>
               <p:cNvPr id="129" name="テキスト ボックス 128"/>
@@ -2522,14 +2521,17 @@
                     </m:oMathParaPr>
                     <m:oMath xmlns:m="http://schemas.openxmlformats.org/officeDocument/2006/math">
                       <m:r>
-                        <a:rPr lang="en-US" altLang="ja-JP" sz="1200" b="0" i="1" smtClean="0">
+                        <m:rPr>
+                          <m:sty m:val="p"/>
+                        </m:rPr>
+                        <a:rPr lang="en-US" altLang="ja-JP" sz="1200" b="0" i="0" smtClean="0">
                           <a:solidFill>
                             <a:srgbClr val="000000"/>
                           </a:solidFill>
                           <a:latin typeface="Cambria Math"/>
                           <a:ea typeface="HG丸ｺﾞｼｯｸM-PRO" panose="020F0600000000000000" pitchFamily="50" charset="-128"/>
                         </a:rPr>
-                        <m:t>𝐸𝑛𝑐</m:t>
+                        <m:t>Enc</m:t>
                       </m:r>
                       <m:r>
                         <a:rPr lang="en-US" altLang="ja-JP" sz="1200" b="0" i="1" smtClean="0">
@@ -2642,7 +2644,7 @@
               <a:blipFill rotWithShape="1">
                 <a:blip r:embed="rId4"/>
                 <a:stretch>
-                  <a:fillRect l="-5263" r="-752" b="-27027"/>
+                  <a:fillRect l="-3759" b="-27027"/>
                 </a:stretch>
               </a:blipFill>
               <a:ln w="6350">
@@ -2667,8 +2669,8 @@
           </p:sp>
         </mc:Fallback>
       </mc:AlternateContent>
-      <mc:AlternateContent xmlns:mc="http://schemas.openxmlformats.org/markup-compatibility/2006">
-        <mc:Choice xmlns:a14="http://schemas.microsoft.com/office/drawing/2010/main" Requires="a14">
+      <mc:AlternateContent xmlns:mc="http://schemas.openxmlformats.org/markup-compatibility/2006" xmlns:a14="http://schemas.microsoft.com/office/drawing/2010/main">
+        <mc:Choice Requires="a14">
           <p:sp>
             <p:nvSpPr>
               <p:cNvPr id="35" name="テキスト ボックス 34"/>
@@ -2695,7 +2697,6 @@
               </a:bodyPr>
               <a:lstStyle/>
               <a:p>
-                <a:pPr/>
                 <a14:m>
                   <m:oMath xmlns:m="http://schemas.openxmlformats.org/officeDocument/2006/math">
                     <m:sSub>
@@ -2748,7 +2749,7 @@
             </p:txBody>
           </p:sp>
         </mc:Choice>
-        <mc:Fallback>
+        <mc:Fallback xmlns="">
           <p:sp>
             <p:nvSpPr>
               <p:cNvPr id="35" name="テキスト ボックス 34"/>
@@ -2791,8 +2792,8 @@
           </p:sp>
         </mc:Fallback>
       </mc:AlternateContent>
-      <mc:AlternateContent xmlns:mc="http://schemas.openxmlformats.org/markup-compatibility/2006">
-        <mc:Choice xmlns:a14="http://schemas.microsoft.com/office/drawing/2010/main" Requires="a14">
+      <mc:AlternateContent xmlns:mc="http://schemas.openxmlformats.org/markup-compatibility/2006" xmlns:a14="http://schemas.microsoft.com/office/drawing/2010/main">
+        <mc:Choice Requires="a14">
           <p:sp>
             <p:nvSpPr>
               <p:cNvPr id="39" name="正方形/長方形 38"/>
@@ -2866,7 +2867,7 @@
             </p:txBody>
           </p:sp>
         </mc:Choice>
-        <mc:Fallback>
+        <mc:Fallback xmlns="">
           <p:sp>
             <p:nvSpPr>
               <p:cNvPr id="39" name="正方形/長方形 38"/>
@@ -2911,8 +2912,8 @@
           </p:sp>
         </mc:Fallback>
       </mc:AlternateContent>
-      <mc:AlternateContent xmlns:mc="http://schemas.openxmlformats.org/markup-compatibility/2006">
-        <mc:Choice xmlns:a14="http://schemas.microsoft.com/office/drawing/2010/main" Requires="a14">
+      <mc:AlternateContent xmlns:mc="http://schemas.openxmlformats.org/markup-compatibility/2006" xmlns:a14="http://schemas.microsoft.com/office/drawing/2010/main">
+        <mc:Choice Requires="a14">
           <p:sp>
             <p:nvSpPr>
               <p:cNvPr id="42" name="テキスト ボックス 41"/>
@@ -2939,7 +2940,6 @@
               </a:bodyPr>
               <a:lstStyle/>
               <a:p>
-                <a:pPr/>
                 <a14:m>
                   <m:oMath xmlns:m="http://schemas.openxmlformats.org/officeDocument/2006/math">
                     <m:sSub>
@@ -2992,7 +2992,7 @@
             </p:txBody>
           </p:sp>
         </mc:Choice>
-        <mc:Fallback>
+        <mc:Fallback xmlns="">
           <p:sp>
             <p:nvSpPr>
               <p:cNvPr id="42" name="テキスト ボックス 41"/>
@@ -3125,14 +3125,17 @@
                     </m:oMathParaPr>
                     <m:oMath xmlns:m="http://schemas.openxmlformats.org/officeDocument/2006/math">
                       <m:r>
-                        <a:rPr lang="en-US" altLang="ja-JP" sz="1200" b="0" i="1" smtClean="0">
+                        <m:rPr>
+                          <m:sty m:val="p"/>
+                        </m:rPr>
+                        <a:rPr lang="en-US" altLang="ja-JP" sz="1200" b="0" i="0" smtClean="0">
                           <a:solidFill>
                             <a:srgbClr val="000000"/>
                           </a:solidFill>
                           <a:latin typeface="Cambria Math"/>
                           <a:ea typeface="HG丸ｺﾞｼｯｸM-PRO" panose="020F0600000000000000" pitchFamily="50" charset="-128"/>
                         </a:rPr>
-                        <m:t>𝐸𝑛𝑐</m:t>
+                        <m:t>Enc</m:t>
                       </m:r>
                       <m:r>
                         <a:rPr lang="en-US" altLang="ja-JP" sz="1200" b="0" i="1" smtClean="0">
@@ -3245,7 +3248,7 @@
               <a:blipFill rotWithShape="1">
                 <a:blip r:embed="rId8"/>
                 <a:stretch>
-                  <a:fillRect l="-5263" r="-752" b="-27778"/>
+                  <a:fillRect l="-4511" b="-27778"/>
                 </a:stretch>
               </a:blipFill>
               <a:ln w="6350">
@@ -3270,8 +3273,8 @@
           </p:sp>
         </mc:Fallback>
       </mc:AlternateContent>
-      <mc:AlternateContent xmlns:mc="http://schemas.openxmlformats.org/markup-compatibility/2006">
-        <mc:Choice xmlns:a14="http://schemas.microsoft.com/office/drawing/2010/main" Requires="a14">
+      <mc:AlternateContent xmlns:mc="http://schemas.openxmlformats.org/markup-compatibility/2006" xmlns:a14="http://schemas.microsoft.com/office/drawing/2010/main">
+        <mc:Choice Requires="a14">
           <p:sp>
             <p:nvSpPr>
               <p:cNvPr id="45" name="テキスト ボックス 44"/>
@@ -3298,7 +3301,6 @@
               </a:bodyPr>
               <a:lstStyle/>
               <a:p>
-                <a:pPr/>
                 <a14:m>
                   <m:oMath xmlns:m="http://schemas.openxmlformats.org/officeDocument/2006/math">
                     <m:sSub>
@@ -3351,7 +3353,7 @@
             </p:txBody>
           </p:sp>
         </mc:Choice>
-        <mc:Fallback>
+        <mc:Fallback xmlns="">
           <p:sp>
             <p:nvSpPr>
               <p:cNvPr id="45" name="テキスト ボックス 44"/>
@@ -3394,8 +3396,8 @@
           </p:sp>
         </mc:Fallback>
       </mc:AlternateContent>
-      <mc:AlternateContent xmlns:mc="http://schemas.openxmlformats.org/markup-compatibility/2006">
-        <mc:Choice xmlns:a14="http://schemas.microsoft.com/office/drawing/2010/main" Requires="a14">
+      <mc:AlternateContent xmlns:mc="http://schemas.openxmlformats.org/markup-compatibility/2006" xmlns:a14="http://schemas.microsoft.com/office/drawing/2010/main">
+        <mc:Choice Requires="a14">
           <p:sp>
             <p:nvSpPr>
               <p:cNvPr id="46" name="正方形/長方形 45"/>
@@ -3469,7 +3471,7 @@
             </p:txBody>
           </p:sp>
         </mc:Choice>
-        <mc:Fallback>
+        <mc:Fallback xmlns="">
           <p:sp>
             <p:nvSpPr>
               <p:cNvPr id="46" name="正方形/長方形 45"/>
@@ -3528,8 +3530,8 @@
             <a:chExt cx="3000476" cy="358352"/>
           </a:xfrm>
         </p:grpSpPr>
-        <mc:AlternateContent xmlns:mc="http://schemas.openxmlformats.org/markup-compatibility/2006">
-          <mc:Choice xmlns:a14="http://schemas.microsoft.com/office/drawing/2010/main" Requires="a14">
+        <mc:AlternateContent xmlns:mc="http://schemas.openxmlformats.org/markup-compatibility/2006" xmlns:a14="http://schemas.microsoft.com/office/drawing/2010/main">
+          <mc:Choice Requires="a14">
             <p:sp>
               <p:nvSpPr>
                 <p:cNvPr id="48" name="テキスト ボックス 47"/>
@@ -3556,7 +3558,6 @@
                 </a:bodyPr>
                 <a:lstStyle/>
                 <a:p>
-                  <a:pPr/>
                   <a14:m>
                     <m:oMath xmlns:m="http://schemas.openxmlformats.org/officeDocument/2006/math">
                       <m:sSub>
@@ -3609,7 +3610,7 @@
               </p:txBody>
             </p:sp>
           </mc:Choice>
-          <mc:Fallback>
+          <mc:Fallback xmlns="">
             <p:sp>
               <p:nvSpPr>
                 <p:cNvPr id="48" name="テキスト ボックス 47"/>
@@ -3742,14 +3743,17 @@
                       </m:oMathParaPr>
                       <m:oMath xmlns:m="http://schemas.openxmlformats.org/officeDocument/2006/math">
                         <m:r>
-                          <a:rPr lang="en-US" altLang="ja-JP" sz="1200" b="0" i="1" smtClean="0">
+                          <m:rPr>
+                            <m:sty m:val="p"/>
+                          </m:rPr>
+                          <a:rPr lang="en-US" altLang="ja-JP" sz="1200" b="0" i="0" smtClean="0">
                             <a:solidFill>
                               <a:srgbClr val="000000"/>
                             </a:solidFill>
                             <a:latin typeface="Cambria Math"/>
                             <a:ea typeface="HG丸ｺﾞｼｯｸM-PRO" panose="020F0600000000000000" pitchFamily="50" charset="-128"/>
                           </a:rPr>
-                          <m:t>𝐸𝑛𝑐</m:t>
+                          <m:t>Enc</m:t>
                         </m:r>
                         <m:r>
                           <a:rPr lang="en-US" altLang="ja-JP" sz="1200" b="0" i="1" smtClean="0">
@@ -3862,7 +3866,7 @@
                 <a:blipFill rotWithShape="1">
                   <a:blip r:embed="rId12"/>
                   <a:stretch>
-                    <a:fillRect l="-6015" r="-1504" b="-24324"/>
+                    <a:fillRect l="-4511" r="-752" b="-24324"/>
                   </a:stretch>
                 </a:blipFill>
                 <a:ln w="6350">
@@ -3887,8 +3891,8 @@
             </p:sp>
           </mc:Fallback>
         </mc:AlternateContent>
-        <mc:AlternateContent xmlns:mc="http://schemas.openxmlformats.org/markup-compatibility/2006">
-          <mc:Choice xmlns:a14="http://schemas.microsoft.com/office/drawing/2010/main" Requires="a14">
+        <mc:AlternateContent xmlns:mc="http://schemas.openxmlformats.org/markup-compatibility/2006" xmlns:a14="http://schemas.microsoft.com/office/drawing/2010/main">
+          <mc:Choice Requires="a14">
             <p:sp>
               <p:nvSpPr>
                 <p:cNvPr id="51" name="テキスト ボックス 50"/>
@@ -3915,7 +3919,6 @@
                 </a:bodyPr>
                 <a:lstStyle/>
                 <a:p>
-                  <a:pPr/>
                   <a14:m>
                     <m:oMath xmlns:m="http://schemas.openxmlformats.org/officeDocument/2006/math">
                       <m:sSub>
@@ -3968,7 +3971,7 @@
               </p:txBody>
             </p:sp>
           </mc:Choice>
-          <mc:Fallback>
+          <mc:Fallback xmlns="">
             <p:sp>
               <p:nvSpPr>
                 <p:cNvPr id="51" name="テキスト ボックス 50"/>
@@ -4011,8 +4014,8 @@
             </p:sp>
           </mc:Fallback>
         </mc:AlternateContent>
-        <mc:AlternateContent xmlns:mc="http://schemas.openxmlformats.org/markup-compatibility/2006">
-          <mc:Choice xmlns:a14="http://schemas.microsoft.com/office/drawing/2010/main" Requires="a14">
+        <mc:AlternateContent xmlns:mc="http://schemas.openxmlformats.org/markup-compatibility/2006" xmlns:a14="http://schemas.microsoft.com/office/drawing/2010/main">
+          <mc:Choice Requires="a14">
             <p:sp>
               <p:nvSpPr>
                 <p:cNvPr id="52" name="正方形/長方形 51"/>
@@ -4086,7 +4089,7 @@
               </p:txBody>
             </p:sp>
           </mc:Choice>
-          <mc:Fallback>
+          <mc:Fallback xmlns="">
             <p:sp>
               <p:nvSpPr>
                 <p:cNvPr id="52" name="正方形/長方形 51"/>

--- a/img/broad1.pptx
+++ b/img/broad1.pptx
@@ -151,7 +151,7 @@
       </p14:sectionLst>
     </p:ext>
     <p:ext uri="{EFAFB233-063F-42B5-8137-9DF3F51BA10A}">
-      <p15:sldGuideLst xmlns:p15="http://schemas.microsoft.com/office/powerpoint/2012/main" xmlns="">
+      <p15:sldGuideLst xmlns="" xmlns:p15="http://schemas.microsoft.com/office/powerpoint/2012/main">
         <p15:guide id="1" orient="horz" pos="2160">
           <p15:clr>
             <a:srgbClr val="A4A3A4"/>
@@ -165,7 +165,7 @@
       </p15:sldGuideLst>
     </p:ext>
     <p:ext uri="{2D200454-40CA-4A62-9FC3-DE9A4176ACB9}">
-      <p15:notesGuideLst xmlns:p15="http://schemas.microsoft.com/office/powerpoint/2012/main" xmlns="">
+      <p15:notesGuideLst xmlns="" xmlns:p15="http://schemas.microsoft.com/office/powerpoint/2012/main">
         <p15:guide id="1" orient="horz" pos="3223">
           <p15:clr>
             <a:srgbClr val="A4A3A4"/>
@@ -1999,7 +1999,7 @@
         </p:nvSpPr>
         <p:spPr>
           <a:xfrm>
-            <a:off x="1192706" y="2124380"/>
+            <a:off x="1192706" y="2133972"/>
             <a:ext cx="183210" cy="228183"/>
           </a:xfrm>
           <a:prstGeom prst="rect">
@@ -2469,8 +2469,8 @@
           </a:fontRef>
         </p:style>
       </p:cxnSp>
-      <mc:AlternateContent xmlns:mc="http://schemas.openxmlformats.org/markup-compatibility/2006">
-        <mc:Choice xmlns:a14="http://schemas.microsoft.com/office/drawing/2010/main" Requires="a14">
+      <mc:AlternateContent xmlns:mc="http://schemas.openxmlformats.org/markup-compatibility/2006" xmlns:a14="http://schemas.microsoft.com/office/drawing/2010/main">
+        <mc:Choice Requires="a14">
           <p:sp>
             <p:nvSpPr>
               <p:cNvPr id="21" name="正方形/長方形 20"/>
@@ -2624,7 +2624,7 @@
             </p:txBody>
           </p:sp>
         </mc:Choice>
-        <mc:Fallback>
+        <mc:Fallback xmlns="">
           <p:sp>
             <p:nvSpPr>
               <p:cNvPr id="21" name="正方形/長方形 20"/>
@@ -3073,8 +3073,8 @@
           </a:fontRef>
         </p:style>
       </p:cxnSp>
-      <mc:AlternateContent xmlns:mc="http://schemas.openxmlformats.org/markup-compatibility/2006">
-        <mc:Choice xmlns:a14="http://schemas.microsoft.com/office/drawing/2010/main" Requires="a14">
+      <mc:AlternateContent xmlns:mc="http://schemas.openxmlformats.org/markup-compatibility/2006" xmlns:a14="http://schemas.microsoft.com/office/drawing/2010/main">
+        <mc:Choice Requires="a14">
           <p:sp>
             <p:nvSpPr>
               <p:cNvPr id="44" name="正方形/長方形 43"/>
@@ -3228,7 +3228,7 @@
             </p:txBody>
           </p:sp>
         </mc:Choice>
-        <mc:Fallback>
+        <mc:Fallback xmlns="">
           <p:sp>
             <p:nvSpPr>
               <p:cNvPr id="44" name="正方形/長方形 43"/>
@@ -3691,8 +3691,8 @@
             </a:fontRef>
           </p:style>
         </p:cxnSp>
-        <mc:AlternateContent xmlns:mc="http://schemas.openxmlformats.org/markup-compatibility/2006">
-          <mc:Choice xmlns:a14="http://schemas.microsoft.com/office/drawing/2010/main" Requires="a14">
+        <mc:AlternateContent xmlns:mc="http://schemas.openxmlformats.org/markup-compatibility/2006" xmlns:a14="http://schemas.microsoft.com/office/drawing/2010/main">
+          <mc:Choice Requires="a14">
             <p:sp>
               <p:nvSpPr>
                 <p:cNvPr id="50" name="正方形/長方形 49"/>
@@ -3846,7 +3846,7 @@
               </p:txBody>
             </p:sp>
           </mc:Choice>
-          <mc:Fallback>
+          <mc:Fallback xmlns="">
             <p:sp>
               <p:nvSpPr>
                 <p:cNvPr id="50" name="正方形/長方形 49"/>
@@ -4207,6 +4207,90 @@
           </a:fontRef>
         </p:style>
       </p:cxnSp>
+      <p:sp>
+        <p:nvSpPr>
+          <p:cNvPr id="28" name="テキスト ボックス 27"/>
+          <p:cNvSpPr txBox="1"/>
+          <p:nvPr/>
+        </p:nvSpPr>
+        <p:spPr>
+          <a:xfrm>
+            <a:off x="2102790" y="2133972"/>
+            <a:ext cx="183210" cy="228183"/>
+          </a:xfrm>
+          <a:prstGeom prst="rect">
+            <a:avLst/>
+          </a:prstGeom>
+          <a:noFill/>
+          <a:ln w="19050" cap="rnd">
+            <a:noFill/>
+            <a:prstDash val="sysDash"/>
+          </a:ln>
+        </p:spPr>
+        <p:txBody>
+          <a:bodyPr wrap="none" lIns="43094" tIns="21548" rIns="43094" bIns="21548" rtlCol="0">
+            <a:spAutoFit/>
+          </a:bodyPr>
+          <a:lstStyle/>
+          <a:p>
+            <a:r>
+              <a:rPr lang="en-US" altLang="ja-JP" sz="1200" smtClean="0">
+                <a:latin typeface="HG丸ｺﾞｼｯｸM-PRO" panose="020F0600000000000000" pitchFamily="50" charset="-128"/>
+                <a:ea typeface="HG丸ｺﾞｼｯｸM-PRO" panose="020F0600000000000000" pitchFamily="50" charset="-128"/>
+                <a:cs typeface="Courier New" pitchFamily="49" charset="0"/>
+              </a:rPr>
+              <a:t>...</a:t>
+            </a:r>
+            <a:endParaRPr lang="ja-JP" altLang="en-US" sz="1200">
+              <a:latin typeface="HG丸ｺﾞｼｯｸM-PRO" panose="020F0600000000000000" pitchFamily="50" charset="-128"/>
+              <a:ea typeface="HG丸ｺﾞｼｯｸM-PRO" panose="020F0600000000000000" pitchFamily="50" charset="-128"/>
+              <a:cs typeface="Courier New" pitchFamily="49" charset="0"/>
+            </a:endParaRPr>
+          </a:p>
+        </p:txBody>
+      </p:sp>
+      <p:sp>
+        <p:nvSpPr>
+          <p:cNvPr id="29" name="テキスト ボックス 28"/>
+          <p:cNvSpPr txBox="1"/>
+          <p:nvPr/>
+        </p:nvSpPr>
+        <p:spPr>
+          <a:xfrm>
+            <a:off x="3078088" y="2133972"/>
+            <a:ext cx="183210" cy="228183"/>
+          </a:xfrm>
+          <a:prstGeom prst="rect">
+            <a:avLst/>
+          </a:prstGeom>
+          <a:noFill/>
+          <a:ln w="19050" cap="rnd">
+            <a:noFill/>
+            <a:prstDash val="sysDash"/>
+          </a:ln>
+        </p:spPr>
+        <p:txBody>
+          <a:bodyPr wrap="none" lIns="43094" tIns="21548" rIns="43094" bIns="21548" rtlCol="0">
+            <a:spAutoFit/>
+          </a:bodyPr>
+          <a:lstStyle/>
+          <a:p>
+            <a:r>
+              <a:rPr lang="en-US" altLang="ja-JP" sz="1200" smtClean="0">
+                <a:latin typeface="HG丸ｺﾞｼｯｸM-PRO" panose="020F0600000000000000" pitchFamily="50" charset="-128"/>
+                <a:ea typeface="HG丸ｺﾞｼｯｸM-PRO" panose="020F0600000000000000" pitchFamily="50" charset="-128"/>
+                <a:cs typeface="Courier New" pitchFamily="49" charset="0"/>
+              </a:rPr>
+              <a:t>...</a:t>
+            </a:r>
+            <a:endParaRPr lang="ja-JP" altLang="en-US" sz="1200">
+              <a:latin typeface="HG丸ｺﾞｼｯｸM-PRO" panose="020F0600000000000000" pitchFamily="50" charset="-128"/>
+              <a:ea typeface="HG丸ｺﾞｼｯｸM-PRO" panose="020F0600000000000000" pitchFamily="50" charset="-128"/>
+              <a:cs typeface="Courier New" pitchFamily="49" charset="0"/>
+            </a:endParaRPr>
+          </a:p>
+        </p:txBody>
+      </p:sp>
     </p:spTree>
     <p:extLst>
       <p:ext uri="{BB962C8B-B14F-4D97-AF65-F5344CB8AC3E}">
